--- a/presentation.pptx
+++ b/presentation.pptx
@@ -44490,7 +44490,7 @@
         </p:blipFill>
         <p:spPr>
           <a:xfrm>
-            <a:off x="3515743" y="432422"/>
+            <a:off x="6624703" y="731375"/>
             <a:ext cx="1635377" cy="4230795"/>
           </a:xfrm>
           <a:prstGeom prst="rect">
@@ -45772,7 +45772,7 @@
         </p:nvSpPr>
         <p:spPr>
           <a:xfrm>
-            <a:off x="6233160" y="1017725"/>
+            <a:off x="1356360" y="1017725"/>
             <a:ext cx="1737360" cy="3874316"/>
           </a:xfrm>
           <a:prstGeom prst="rect">
@@ -45820,7 +45820,7 @@
         </p:nvSpPr>
         <p:spPr>
           <a:xfrm>
-            <a:off x="6337935" y="1200927"/>
+            <a:off x="1461135" y="1200927"/>
             <a:ext cx="1527810" cy="1054117"/>
           </a:xfrm>
           <a:prstGeom prst="rect">
@@ -45868,7 +45868,7 @@
         </p:nvSpPr>
         <p:spPr>
           <a:xfrm>
-            <a:off x="6421755" y="1427146"/>
+            <a:off x="1544955" y="1427146"/>
             <a:ext cx="259200" cy="533400"/>
           </a:xfrm>
           <a:prstGeom prst="rect">
@@ -45916,7 +45916,7 @@
         </p:nvSpPr>
         <p:spPr>
           <a:xfrm>
-            <a:off x="6795135" y="1427146"/>
+            <a:off x="1918335" y="1427146"/>
             <a:ext cx="259200" cy="533400"/>
           </a:xfrm>
           <a:prstGeom prst="rect">
@@ -45964,7 +45964,7 @@
         </p:nvSpPr>
         <p:spPr>
           <a:xfrm>
-            <a:off x="7173248" y="1424494"/>
+            <a:off x="2296448" y="1424494"/>
             <a:ext cx="259080" cy="533400"/>
           </a:xfrm>
           <a:prstGeom prst="rect">
@@ -46012,7 +46012,7 @@
         </p:nvSpPr>
         <p:spPr>
           <a:xfrm>
-            <a:off x="7514734" y="1424494"/>
+            <a:off x="2637934" y="1424494"/>
             <a:ext cx="259200" cy="533400"/>
           </a:xfrm>
           <a:prstGeom prst="rect">
@@ -46060,7 +46060,7 @@
         </p:nvSpPr>
         <p:spPr>
           <a:xfrm>
-            <a:off x="6795135" y="2012545"/>
+            <a:off x="1918335" y="2012545"/>
             <a:ext cx="259200" cy="190500"/>
           </a:xfrm>
           <a:prstGeom prst="rect">
@@ -46122,7 +46122,7 @@
         </p:nvSpPr>
         <p:spPr>
           <a:xfrm>
-            <a:off x="6467475" y="1254267"/>
+            <a:off x="1590675" y="1254267"/>
             <a:ext cx="194310" cy="153888"/>
           </a:xfrm>
           <a:prstGeom prst="rect">
@@ -46152,7 +46152,7 @@
         </p:nvSpPr>
         <p:spPr>
           <a:xfrm>
-            <a:off x="6833235" y="1257124"/>
+            <a:off x="1956435" y="1257124"/>
             <a:ext cx="194310" cy="153888"/>
           </a:xfrm>
           <a:prstGeom prst="rect">
@@ -46183,7 +46183,7 @@
         </p:nvSpPr>
         <p:spPr>
           <a:xfrm>
-            <a:off x="7160895" y="1254267"/>
+            <a:off x="2284095" y="1254267"/>
             <a:ext cx="194310" cy="153888"/>
           </a:xfrm>
           <a:prstGeom prst="rect">
@@ -46214,7 +46214,7 @@
         </p:nvSpPr>
         <p:spPr>
           <a:xfrm>
-            <a:off x="7539038" y="1254564"/>
+            <a:off x="2662238" y="1254564"/>
             <a:ext cx="194310" cy="153888"/>
           </a:xfrm>
           <a:prstGeom prst="rect">
@@ -46245,7 +46245,7 @@
         </p:nvSpPr>
         <p:spPr>
           <a:xfrm>
-            <a:off x="6233160" y="988400"/>
+            <a:off x="1356360" y="988400"/>
             <a:ext cx="1143000" cy="246221"/>
           </a:xfrm>
           <a:prstGeom prst="rect">
@@ -46275,7 +46275,7 @@
         </p:nvSpPr>
         <p:spPr>
           <a:xfrm>
-            <a:off x="6337935" y="2483613"/>
+            <a:off x="1461135" y="2483613"/>
             <a:ext cx="1527810" cy="1054117"/>
           </a:xfrm>
           <a:prstGeom prst="rect">
@@ -46323,7 +46323,7 @@
         </p:nvSpPr>
         <p:spPr>
           <a:xfrm>
-            <a:off x="6421755" y="2709832"/>
+            <a:off x="1544955" y="2709832"/>
             <a:ext cx="259200" cy="533400"/>
           </a:xfrm>
           <a:prstGeom prst="rect">
@@ -46371,7 +46371,7 @@
         </p:nvSpPr>
         <p:spPr>
           <a:xfrm>
-            <a:off x="6795135" y="2709832"/>
+            <a:off x="1918335" y="2709832"/>
             <a:ext cx="259200" cy="533400"/>
           </a:xfrm>
           <a:prstGeom prst="rect">
@@ -46419,7 +46419,7 @@
         </p:nvSpPr>
         <p:spPr>
           <a:xfrm>
-            <a:off x="7173248" y="2707180"/>
+            <a:off x="2296448" y="2707180"/>
             <a:ext cx="259080" cy="533400"/>
           </a:xfrm>
           <a:prstGeom prst="rect">
@@ -46467,7 +46467,7 @@
         </p:nvSpPr>
         <p:spPr>
           <a:xfrm>
-            <a:off x="7514734" y="2707180"/>
+            <a:off x="2637934" y="2707180"/>
             <a:ext cx="259200" cy="533400"/>
           </a:xfrm>
           <a:prstGeom prst="rect">
@@ -46515,7 +46515,7 @@
         </p:nvSpPr>
         <p:spPr>
           <a:xfrm>
-            <a:off x="6795135" y="3295231"/>
+            <a:off x="1918335" y="3295231"/>
             <a:ext cx="259200" cy="190500"/>
           </a:xfrm>
           <a:prstGeom prst="rect">
@@ -46577,7 +46577,7 @@
         </p:nvSpPr>
         <p:spPr>
           <a:xfrm>
-            <a:off x="6467475" y="2536953"/>
+            <a:off x="1590675" y="2536953"/>
             <a:ext cx="194310" cy="153888"/>
           </a:xfrm>
           <a:prstGeom prst="rect">
@@ -46607,7 +46607,7 @@
         </p:nvSpPr>
         <p:spPr>
           <a:xfrm>
-            <a:off x="6833235" y="2539810"/>
+            <a:off x="1956435" y="2539810"/>
             <a:ext cx="194310" cy="153888"/>
           </a:xfrm>
           <a:prstGeom prst="rect">
@@ -46638,7 +46638,7 @@
         </p:nvSpPr>
         <p:spPr>
           <a:xfrm>
-            <a:off x="7160895" y="2536953"/>
+            <a:off x="2284095" y="2536953"/>
             <a:ext cx="194310" cy="153888"/>
           </a:xfrm>
           <a:prstGeom prst="rect">
@@ -46669,7 +46669,7 @@
         </p:nvSpPr>
         <p:spPr>
           <a:xfrm>
-            <a:off x="7539038" y="2537250"/>
+            <a:off x="2662238" y="2537250"/>
             <a:ext cx="194310" cy="153888"/>
           </a:xfrm>
           <a:prstGeom prst="rect">
@@ -46700,7 +46700,7 @@
         </p:nvSpPr>
         <p:spPr>
           <a:xfrm>
-            <a:off x="6233160" y="2271086"/>
+            <a:off x="1356360" y="2271086"/>
             <a:ext cx="1143000" cy="246221"/>
           </a:xfrm>
           <a:prstGeom prst="rect">
@@ -46730,7 +46730,7 @@
         </p:nvSpPr>
         <p:spPr>
           <a:xfrm>
-            <a:off x="6342817" y="3750257"/>
+            <a:off x="1466017" y="3750257"/>
             <a:ext cx="1527810" cy="1054117"/>
           </a:xfrm>
           <a:prstGeom prst="rect">
@@ -46778,7 +46778,7 @@
         </p:nvSpPr>
         <p:spPr>
           <a:xfrm>
-            <a:off x="6426637" y="3976476"/>
+            <a:off x="1549837" y="3976476"/>
             <a:ext cx="259200" cy="533400"/>
           </a:xfrm>
           <a:prstGeom prst="rect">
@@ -46826,7 +46826,7 @@
         </p:nvSpPr>
         <p:spPr>
           <a:xfrm>
-            <a:off x="6800017" y="3976476"/>
+            <a:off x="1923217" y="3976476"/>
             <a:ext cx="259200" cy="533400"/>
           </a:xfrm>
           <a:prstGeom prst="rect">
@@ -46874,7 +46874,7 @@
         </p:nvSpPr>
         <p:spPr>
           <a:xfrm>
-            <a:off x="7178130" y="3973824"/>
+            <a:off x="2301330" y="3973824"/>
             <a:ext cx="259080" cy="533400"/>
           </a:xfrm>
           <a:prstGeom prst="rect">
@@ -46922,7 +46922,7 @@
         </p:nvSpPr>
         <p:spPr>
           <a:xfrm>
-            <a:off x="7519616" y="3973824"/>
+            <a:off x="2642816" y="3973824"/>
             <a:ext cx="259200" cy="533400"/>
           </a:xfrm>
           <a:prstGeom prst="rect">
@@ -46970,7 +46970,7 @@
         </p:nvSpPr>
         <p:spPr>
           <a:xfrm>
-            <a:off x="6800017" y="4561875"/>
+            <a:off x="1923217" y="4561875"/>
             <a:ext cx="259200" cy="190500"/>
           </a:xfrm>
           <a:prstGeom prst="rect">
@@ -47032,7 +47032,7 @@
         </p:nvSpPr>
         <p:spPr>
           <a:xfrm>
-            <a:off x="6472357" y="3803597"/>
+            <a:off x="1595557" y="3803597"/>
             <a:ext cx="194310" cy="153888"/>
           </a:xfrm>
           <a:prstGeom prst="rect">
@@ -47062,7 +47062,7 @@
         </p:nvSpPr>
         <p:spPr>
           <a:xfrm>
-            <a:off x="6838117" y="3806454"/>
+            <a:off x="1961317" y="3806454"/>
             <a:ext cx="194310" cy="153888"/>
           </a:xfrm>
           <a:prstGeom prst="rect">
@@ -47093,7 +47093,7 @@
         </p:nvSpPr>
         <p:spPr>
           <a:xfrm>
-            <a:off x="7165777" y="3803597"/>
+            <a:off x="2288977" y="3803597"/>
             <a:ext cx="194310" cy="153888"/>
           </a:xfrm>
           <a:prstGeom prst="rect">
@@ -47124,7 +47124,7 @@
         </p:nvSpPr>
         <p:spPr>
           <a:xfrm>
-            <a:off x="7543920" y="3803894"/>
+            <a:off x="2667120" y="3803894"/>
             <a:ext cx="194310" cy="153888"/>
           </a:xfrm>
           <a:prstGeom prst="rect">
@@ -47155,7 +47155,7 @@
         </p:nvSpPr>
         <p:spPr>
           <a:xfrm>
-            <a:off x="6238042" y="3537730"/>
+            <a:off x="1361242" y="3537730"/>
             <a:ext cx="1143000" cy="246221"/>
           </a:xfrm>
           <a:prstGeom prst="rect">
@@ -47185,7 +47185,7 @@
         </p:nvSpPr>
         <p:spPr>
           <a:xfrm>
-            <a:off x="6113145" y="731047"/>
+            <a:off x="1236345" y="731047"/>
             <a:ext cx="1440180" cy="276999"/>
           </a:xfrm>
           <a:prstGeom prst="rect">
@@ -47207,6 +47207,345 @@
           </a:p>
         </p:txBody>
       </p:sp>
+      <p:sp>
+        <p:nvSpPr>
+          <p:cNvPr id="82" name="Rechteck 81"/>
+          <p:cNvSpPr/>
+          <p:nvPr/>
+        </p:nvSpPr>
+        <p:spPr>
+          <a:xfrm>
+            <a:off x="5135880" y="1408155"/>
+            <a:ext cx="1005840" cy="702585"/>
+          </a:xfrm>
+          <a:prstGeom prst="rect">
+            <a:avLst/>
+          </a:prstGeom>
+          <a:solidFill>
+            <a:schemeClr val="bg1"/>
+          </a:solidFill>
+          <a:ln>
+            <a:solidFill>
+              <a:schemeClr val="tx1"/>
+            </a:solidFill>
+          </a:ln>
+        </p:spPr>
+        <p:style>
+          <a:lnRef idx="2">
+            <a:schemeClr val="accent1">
+              <a:shade val="50000"/>
+            </a:schemeClr>
+          </a:lnRef>
+          <a:fillRef idx="1">
+            <a:schemeClr val="accent1"/>
+          </a:fillRef>
+          <a:effectRef idx="0">
+            <a:schemeClr val="accent1"/>
+          </a:effectRef>
+          <a:fontRef idx="minor">
+            <a:schemeClr val="lt1"/>
+          </a:fontRef>
+        </p:style>
+        <p:txBody>
+          <a:bodyPr rtlCol="0" anchor="ctr"/>
+          <a:lstStyle/>
+          <a:p>
+            <a:pPr algn="ctr"/>
+            <a:r>
+              <a:rPr lang="en-US" sz="3600" dirty="0" smtClean="0">
+                <a:ln>
+                  <a:solidFill>
+                    <a:schemeClr val="tx1"/>
+                  </a:solidFill>
+                </a:ln>
+                <a:solidFill>
+                  <a:schemeClr val="tx1"/>
+                </a:solidFill>
+              </a:rPr>
+              <a:t>⨝</a:t>
+            </a:r>
+          </a:p>
+          <a:p>
+            <a:pPr algn="ctr">
+              <a:lnSpc>
+                <a:spcPts val="500"/>
+              </a:lnSpc>
+            </a:pPr>
+            <a:r>
+              <a:rPr lang="en-US" sz="1200" dirty="0" smtClean="0">
+                <a:ln>
+                  <a:solidFill>
+                    <a:schemeClr val="tx1"/>
+                  </a:solidFill>
+                </a:ln>
+                <a:solidFill>
+                  <a:schemeClr val="tx1"/>
+                </a:solidFill>
+              </a:rPr>
+              <a:t>R.C = S.C</a:t>
+            </a:r>
+            <a:endParaRPr lang="en-US" sz="1200" dirty="0">
+              <a:ln>
+                <a:solidFill>
+                  <a:schemeClr val="tx1"/>
+                </a:solidFill>
+              </a:ln>
+              <a:solidFill>
+                <a:schemeClr val="tx1"/>
+              </a:solidFill>
+            </a:endParaRPr>
+          </a:p>
+        </p:txBody>
+      </p:sp>
+      <p:sp>
+        <p:nvSpPr>
+          <p:cNvPr id="83" name="Rechteck 82"/>
+          <p:cNvSpPr/>
+          <p:nvPr/>
+        </p:nvSpPr>
+        <p:spPr>
+          <a:xfrm>
+            <a:off x="4281949" y="2592646"/>
+            <a:ext cx="1005840" cy="702585"/>
+          </a:xfrm>
+          <a:prstGeom prst="rect">
+            <a:avLst/>
+          </a:prstGeom>
+          <a:solidFill>
+            <a:schemeClr val="bg1"/>
+          </a:solidFill>
+          <a:ln>
+            <a:solidFill>
+              <a:schemeClr val="tx1"/>
+            </a:solidFill>
+          </a:ln>
+        </p:spPr>
+        <p:style>
+          <a:lnRef idx="2">
+            <a:schemeClr val="accent1">
+              <a:shade val="50000"/>
+            </a:schemeClr>
+          </a:lnRef>
+          <a:fillRef idx="1">
+            <a:schemeClr val="accent1"/>
+          </a:fillRef>
+          <a:effectRef idx="0">
+            <a:schemeClr val="accent1"/>
+          </a:effectRef>
+          <a:fontRef idx="minor">
+            <a:schemeClr val="lt1"/>
+          </a:fontRef>
+        </p:style>
+        <p:txBody>
+          <a:bodyPr rtlCol="0" anchor="ctr"/>
+          <a:lstStyle/>
+          <a:p>
+            <a:pPr algn="ctr"/>
+            <a:r>
+              <a:rPr lang="el-GR" sz="3600" dirty="0" smtClean="0">
+                <a:solidFill>
+                  <a:schemeClr val="tx1"/>
+                </a:solidFill>
+              </a:rPr>
+              <a:t>σ</a:t>
+            </a:r>
+            <a:r>
+              <a:rPr lang="de-DE" sz="1600" dirty="0" smtClean="0">
+                <a:solidFill>
+                  <a:schemeClr val="tx1"/>
+                </a:solidFill>
+              </a:rPr>
+              <a:t>B=50</a:t>
+            </a:r>
+            <a:endParaRPr lang="en-US" sz="1600" dirty="0">
+              <a:ln>
+                <a:solidFill>
+                  <a:schemeClr val="tx1"/>
+                </a:solidFill>
+              </a:ln>
+              <a:solidFill>
+                <a:schemeClr val="tx1"/>
+              </a:solidFill>
+            </a:endParaRPr>
+          </a:p>
+        </p:txBody>
+      </p:sp>
+      <p:sp>
+        <p:nvSpPr>
+          <p:cNvPr id="84" name="Textfeld 83"/>
+          <p:cNvSpPr txBox="1"/>
+          <p:nvPr/>
+        </p:nvSpPr>
+        <p:spPr>
+          <a:xfrm>
+            <a:off x="4366014" y="3783951"/>
+            <a:ext cx="837709" cy="646331"/>
+          </a:xfrm>
+          <a:prstGeom prst="rect">
+            <a:avLst/>
+          </a:prstGeom>
+          <a:noFill/>
+        </p:spPr>
+        <p:txBody>
+          <a:bodyPr wrap="square" rtlCol="0">
+            <a:spAutoFit/>
+          </a:bodyPr>
+          <a:lstStyle/>
+          <a:p>
+            <a:pPr algn="ctr"/>
+            <a:r>
+              <a:rPr lang="en-US" sz="3600" dirty="0" smtClean="0"/>
+              <a:t>R</a:t>
+            </a:r>
+            <a:endParaRPr lang="en-US" sz="3600" dirty="0"/>
+          </a:p>
+        </p:txBody>
+      </p:sp>
+      <p:sp>
+        <p:nvSpPr>
+          <p:cNvPr id="85" name="Textfeld 84"/>
+          <p:cNvSpPr txBox="1"/>
+          <p:nvPr/>
+        </p:nvSpPr>
+        <p:spPr>
+          <a:xfrm>
+            <a:off x="6256020" y="2592646"/>
+            <a:ext cx="632460" cy="646331"/>
+          </a:xfrm>
+          <a:prstGeom prst="rect">
+            <a:avLst/>
+          </a:prstGeom>
+          <a:noFill/>
+        </p:spPr>
+        <p:txBody>
+          <a:bodyPr wrap="square" rtlCol="0">
+            <a:spAutoFit/>
+          </a:bodyPr>
+          <a:lstStyle/>
+          <a:p>
+            <a:pPr algn="ctr"/>
+            <a:r>
+              <a:rPr lang="en-US" sz="3600" dirty="0" smtClean="0"/>
+              <a:t>S</a:t>
+            </a:r>
+            <a:endParaRPr lang="en-US" sz="3600" dirty="0"/>
+          </a:p>
+        </p:txBody>
+      </p:sp>
+      <p:cxnSp>
+        <p:nvCxnSpPr>
+          <p:cNvPr id="87" name="Gerader Verbinder 86"/>
+          <p:cNvCxnSpPr>
+            <a:stCxn id="82" idx="2"/>
+            <a:endCxn id="85" idx="0"/>
+          </p:cNvCxnSpPr>
+          <p:nvPr/>
+        </p:nvCxnSpPr>
+        <p:spPr>
+          <a:xfrm>
+            <a:off x="5638800" y="2110740"/>
+            <a:ext cx="933450" cy="481906"/>
+          </a:xfrm>
+          <a:prstGeom prst="line">
+            <a:avLst/>
+          </a:prstGeom>
+          <a:ln>
+            <a:solidFill>
+              <a:schemeClr val="tx1"/>
+            </a:solidFill>
+          </a:ln>
+        </p:spPr>
+        <p:style>
+          <a:lnRef idx="1">
+            <a:schemeClr val="accent1"/>
+          </a:lnRef>
+          <a:fillRef idx="0">
+            <a:schemeClr val="accent1"/>
+          </a:fillRef>
+          <a:effectRef idx="0">
+            <a:schemeClr val="accent1"/>
+          </a:effectRef>
+          <a:fontRef idx="minor">
+            <a:schemeClr val="tx1"/>
+          </a:fontRef>
+        </p:style>
+      </p:cxnSp>
+      <p:cxnSp>
+        <p:nvCxnSpPr>
+          <p:cNvPr id="90" name="Gerader Verbinder 89"/>
+          <p:cNvCxnSpPr>
+            <a:stCxn id="82" idx="2"/>
+            <a:endCxn id="83" idx="0"/>
+          </p:cNvCxnSpPr>
+          <p:nvPr/>
+        </p:nvCxnSpPr>
+        <p:spPr>
+          <a:xfrm flipH="1">
+            <a:off x="4784869" y="2110740"/>
+            <a:ext cx="853931" cy="481906"/>
+          </a:xfrm>
+          <a:prstGeom prst="line">
+            <a:avLst/>
+          </a:prstGeom>
+          <a:ln>
+            <a:solidFill>
+              <a:schemeClr val="tx1"/>
+            </a:solidFill>
+          </a:ln>
+        </p:spPr>
+        <p:style>
+          <a:lnRef idx="1">
+            <a:schemeClr val="accent1"/>
+          </a:lnRef>
+          <a:fillRef idx="0">
+            <a:schemeClr val="accent1"/>
+          </a:fillRef>
+          <a:effectRef idx="0">
+            <a:schemeClr val="accent1"/>
+          </a:effectRef>
+          <a:fontRef idx="minor">
+            <a:schemeClr val="tx1"/>
+          </a:fontRef>
+        </p:style>
+      </p:cxnSp>
+      <p:cxnSp>
+        <p:nvCxnSpPr>
+          <p:cNvPr id="98" name="Gerader Verbinder 97"/>
+          <p:cNvCxnSpPr>
+            <a:stCxn id="83" idx="2"/>
+            <a:endCxn id="84" idx="0"/>
+          </p:cNvCxnSpPr>
+          <p:nvPr/>
+        </p:nvCxnSpPr>
+        <p:spPr>
+          <a:xfrm>
+            <a:off x="4784869" y="3295231"/>
+            <a:ext cx="0" cy="488720"/>
+          </a:xfrm>
+          <a:prstGeom prst="line">
+            <a:avLst/>
+          </a:prstGeom>
+          <a:ln>
+            <a:solidFill>
+              <a:schemeClr val="tx1"/>
+            </a:solidFill>
+          </a:ln>
+        </p:spPr>
+        <p:style>
+          <a:lnRef idx="1">
+            <a:schemeClr val="accent1"/>
+          </a:lnRef>
+          <a:fillRef idx="0">
+            <a:schemeClr val="accent1"/>
+          </a:fillRef>
+          <a:effectRef idx="0">
+            <a:schemeClr val="accent1"/>
+          </a:effectRef>
+          <a:fontRef idx="minor">
+            <a:schemeClr val="tx1"/>
+          </a:fontRef>
+        </p:style>
+      </p:cxnSp>
     </p:spTree>
     <p:extLst>
       <p:ext uri="{BB962C8B-B14F-4D97-AF65-F5344CB8AC3E}">

--- a/presentation.pptx
+++ b/presentation.pptx
@@ -34938,6 +34938,13 @@
   <p:clrMapOvr>
     <a:masterClrMapping/>
   </p:clrMapOvr>
+  <p:timing>
+    <p:tnLst>
+      <p:par>
+        <p:cTn id="1" dur="indefinite" restart="never" nodeType="tmRoot"/>
+      </p:par>
+    </p:tnLst>
+  </p:timing>
 </p:sld>
 </file>
 
@@ -45772,7 +45779,7 @@
         </p:nvSpPr>
         <p:spPr>
           <a:xfrm>
-            <a:off x="1356360" y="1017725"/>
+            <a:off x="2247900" y="979625"/>
             <a:ext cx="1737360" cy="3874316"/>
           </a:xfrm>
           <a:prstGeom prst="rect">
@@ -45820,7 +45827,7 @@
         </p:nvSpPr>
         <p:spPr>
           <a:xfrm>
-            <a:off x="1461135" y="1200927"/>
+            <a:off x="2352675" y="1162827"/>
             <a:ext cx="1527810" cy="1054117"/>
           </a:xfrm>
           <a:prstGeom prst="rect">
@@ -45868,7 +45875,7 @@
         </p:nvSpPr>
         <p:spPr>
           <a:xfrm>
-            <a:off x="1544955" y="1427146"/>
+            <a:off x="2436495" y="1389046"/>
             <a:ext cx="259200" cy="533400"/>
           </a:xfrm>
           <a:prstGeom prst="rect">
@@ -45916,7 +45923,7 @@
         </p:nvSpPr>
         <p:spPr>
           <a:xfrm>
-            <a:off x="1918335" y="1427146"/>
+            <a:off x="2809875" y="1389046"/>
             <a:ext cx="259200" cy="533400"/>
           </a:xfrm>
           <a:prstGeom prst="rect">
@@ -45964,7 +45971,7 @@
         </p:nvSpPr>
         <p:spPr>
           <a:xfrm>
-            <a:off x="2296448" y="1424494"/>
+            <a:off x="3187988" y="1386394"/>
             <a:ext cx="259080" cy="533400"/>
           </a:xfrm>
           <a:prstGeom prst="rect">
@@ -46012,7 +46019,7 @@
         </p:nvSpPr>
         <p:spPr>
           <a:xfrm>
-            <a:off x="2637934" y="1424494"/>
+            <a:off x="3529474" y="1386394"/>
             <a:ext cx="259200" cy="533400"/>
           </a:xfrm>
           <a:prstGeom prst="rect">
@@ -46060,7 +46067,7 @@
         </p:nvSpPr>
         <p:spPr>
           <a:xfrm>
-            <a:off x="1918335" y="2012545"/>
+            <a:off x="2809875" y="1974445"/>
             <a:ext cx="259200" cy="190500"/>
           </a:xfrm>
           <a:prstGeom prst="rect">
@@ -46122,7 +46129,7 @@
         </p:nvSpPr>
         <p:spPr>
           <a:xfrm>
-            <a:off x="1590675" y="1254267"/>
+            <a:off x="2482215" y="1216167"/>
             <a:ext cx="194310" cy="153888"/>
           </a:xfrm>
           <a:prstGeom prst="rect">
@@ -46152,7 +46159,7 @@
         </p:nvSpPr>
         <p:spPr>
           <a:xfrm>
-            <a:off x="1956435" y="1257124"/>
+            <a:off x="2847975" y="1219024"/>
             <a:ext cx="194310" cy="153888"/>
           </a:xfrm>
           <a:prstGeom prst="rect">
@@ -46183,7 +46190,7 @@
         </p:nvSpPr>
         <p:spPr>
           <a:xfrm>
-            <a:off x="2284095" y="1254267"/>
+            <a:off x="3175635" y="1216167"/>
             <a:ext cx="194310" cy="153888"/>
           </a:xfrm>
           <a:prstGeom prst="rect">
@@ -46214,7 +46221,7 @@
         </p:nvSpPr>
         <p:spPr>
           <a:xfrm>
-            <a:off x="2662238" y="1254564"/>
+            <a:off x="3553778" y="1216464"/>
             <a:ext cx="194310" cy="153888"/>
           </a:xfrm>
           <a:prstGeom prst="rect">
@@ -46245,7 +46252,7 @@
         </p:nvSpPr>
         <p:spPr>
           <a:xfrm>
-            <a:off x="1356360" y="988400"/>
+            <a:off x="2247900" y="950300"/>
             <a:ext cx="1143000" cy="246221"/>
           </a:xfrm>
           <a:prstGeom prst="rect">
@@ -46275,7 +46282,7 @@
         </p:nvSpPr>
         <p:spPr>
           <a:xfrm>
-            <a:off x="1461135" y="2483613"/>
+            <a:off x="2352675" y="2445513"/>
             <a:ext cx="1527810" cy="1054117"/>
           </a:xfrm>
           <a:prstGeom prst="rect">
@@ -46323,7 +46330,7 @@
         </p:nvSpPr>
         <p:spPr>
           <a:xfrm>
-            <a:off x="1544955" y="2709832"/>
+            <a:off x="2436495" y="2671732"/>
             <a:ext cx="259200" cy="533400"/>
           </a:xfrm>
           <a:prstGeom prst="rect">
@@ -46371,7 +46378,7 @@
         </p:nvSpPr>
         <p:spPr>
           <a:xfrm>
-            <a:off x="1918335" y="2709832"/>
+            <a:off x="2809875" y="2671732"/>
             <a:ext cx="259200" cy="533400"/>
           </a:xfrm>
           <a:prstGeom prst="rect">
@@ -46419,7 +46426,7 @@
         </p:nvSpPr>
         <p:spPr>
           <a:xfrm>
-            <a:off x="2296448" y="2707180"/>
+            <a:off x="3187988" y="2669080"/>
             <a:ext cx="259080" cy="533400"/>
           </a:xfrm>
           <a:prstGeom prst="rect">
@@ -46467,7 +46474,7 @@
         </p:nvSpPr>
         <p:spPr>
           <a:xfrm>
-            <a:off x="2637934" y="2707180"/>
+            <a:off x="3529474" y="2669080"/>
             <a:ext cx="259200" cy="533400"/>
           </a:xfrm>
           <a:prstGeom prst="rect">
@@ -46515,7 +46522,7 @@
         </p:nvSpPr>
         <p:spPr>
           <a:xfrm>
-            <a:off x="1918335" y="3295231"/>
+            <a:off x="2809875" y="3257131"/>
             <a:ext cx="259200" cy="190500"/>
           </a:xfrm>
           <a:prstGeom prst="rect">
@@ -46577,7 +46584,7 @@
         </p:nvSpPr>
         <p:spPr>
           <a:xfrm>
-            <a:off x="1590675" y="2536953"/>
+            <a:off x="2482215" y="2498853"/>
             <a:ext cx="194310" cy="153888"/>
           </a:xfrm>
           <a:prstGeom prst="rect">
@@ -46607,7 +46614,7 @@
         </p:nvSpPr>
         <p:spPr>
           <a:xfrm>
-            <a:off x="1956435" y="2539810"/>
+            <a:off x="2847975" y="2501710"/>
             <a:ext cx="194310" cy="153888"/>
           </a:xfrm>
           <a:prstGeom prst="rect">
@@ -46638,7 +46645,7 @@
         </p:nvSpPr>
         <p:spPr>
           <a:xfrm>
-            <a:off x="2284095" y="2536953"/>
+            <a:off x="3175635" y="2498853"/>
             <a:ext cx="194310" cy="153888"/>
           </a:xfrm>
           <a:prstGeom prst="rect">
@@ -46669,7 +46676,7 @@
         </p:nvSpPr>
         <p:spPr>
           <a:xfrm>
-            <a:off x="2662238" y="2537250"/>
+            <a:off x="3553778" y="2499150"/>
             <a:ext cx="194310" cy="153888"/>
           </a:xfrm>
           <a:prstGeom prst="rect">
@@ -46700,7 +46707,7 @@
         </p:nvSpPr>
         <p:spPr>
           <a:xfrm>
-            <a:off x="1356360" y="2271086"/>
+            <a:off x="2247900" y="2232986"/>
             <a:ext cx="1143000" cy="246221"/>
           </a:xfrm>
           <a:prstGeom prst="rect">
@@ -46730,7 +46737,7 @@
         </p:nvSpPr>
         <p:spPr>
           <a:xfrm>
-            <a:off x="1466017" y="3750257"/>
+            <a:off x="2357557" y="3712157"/>
             <a:ext cx="1527810" cy="1054117"/>
           </a:xfrm>
           <a:prstGeom prst="rect">
@@ -46778,7 +46785,7 @@
         </p:nvSpPr>
         <p:spPr>
           <a:xfrm>
-            <a:off x="1549837" y="3976476"/>
+            <a:off x="2441377" y="3938376"/>
             <a:ext cx="259200" cy="533400"/>
           </a:xfrm>
           <a:prstGeom prst="rect">
@@ -46826,7 +46833,7 @@
         </p:nvSpPr>
         <p:spPr>
           <a:xfrm>
-            <a:off x="1923217" y="3976476"/>
+            <a:off x="2814757" y="3938376"/>
             <a:ext cx="259200" cy="533400"/>
           </a:xfrm>
           <a:prstGeom prst="rect">
@@ -46874,7 +46881,7 @@
         </p:nvSpPr>
         <p:spPr>
           <a:xfrm>
-            <a:off x="2301330" y="3973824"/>
+            <a:off x="3192870" y="3935724"/>
             <a:ext cx="259080" cy="533400"/>
           </a:xfrm>
           <a:prstGeom prst="rect">
@@ -46922,7 +46929,7 @@
         </p:nvSpPr>
         <p:spPr>
           <a:xfrm>
-            <a:off x="2642816" y="3973824"/>
+            <a:off x="3534356" y="3935724"/>
             <a:ext cx="259200" cy="533400"/>
           </a:xfrm>
           <a:prstGeom prst="rect">
@@ -46970,7 +46977,7 @@
         </p:nvSpPr>
         <p:spPr>
           <a:xfrm>
-            <a:off x="1923217" y="4561875"/>
+            <a:off x="2814757" y="4523775"/>
             <a:ext cx="259200" cy="190500"/>
           </a:xfrm>
           <a:prstGeom prst="rect">
@@ -47032,7 +47039,7 @@
         </p:nvSpPr>
         <p:spPr>
           <a:xfrm>
-            <a:off x="1595557" y="3803597"/>
+            <a:off x="2487097" y="3765497"/>
             <a:ext cx="194310" cy="153888"/>
           </a:xfrm>
           <a:prstGeom prst="rect">
@@ -47062,7 +47069,7 @@
         </p:nvSpPr>
         <p:spPr>
           <a:xfrm>
-            <a:off x="1961317" y="3806454"/>
+            <a:off x="2852857" y="3768354"/>
             <a:ext cx="194310" cy="153888"/>
           </a:xfrm>
           <a:prstGeom prst="rect">
@@ -47093,7 +47100,7 @@
         </p:nvSpPr>
         <p:spPr>
           <a:xfrm>
-            <a:off x="2288977" y="3803597"/>
+            <a:off x="3180517" y="3765497"/>
             <a:ext cx="194310" cy="153888"/>
           </a:xfrm>
           <a:prstGeom prst="rect">
@@ -47124,7 +47131,7 @@
         </p:nvSpPr>
         <p:spPr>
           <a:xfrm>
-            <a:off x="2667120" y="3803894"/>
+            <a:off x="3558660" y="3765794"/>
             <a:ext cx="194310" cy="153888"/>
           </a:xfrm>
           <a:prstGeom prst="rect">
@@ -47155,7 +47162,7 @@
         </p:nvSpPr>
         <p:spPr>
           <a:xfrm>
-            <a:off x="1361242" y="3537730"/>
+            <a:off x="2252782" y="3499630"/>
             <a:ext cx="1143000" cy="246221"/>
           </a:xfrm>
           <a:prstGeom prst="rect">
@@ -47185,7 +47192,7 @@
         </p:nvSpPr>
         <p:spPr>
           <a:xfrm>
-            <a:off x="1236345" y="731047"/>
+            <a:off x="2127885" y="692947"/>
             <a:ext cx="1440180" cy="276999"/>
           </a:xfrm>
           <a:prstGeom prst="rect">
@@ -47215,7 +47222,7 @@
         </p:nvSpPr>
         <p:spPr>
           <a:xfrm>
-            <a:off x="5135880" y="1408155"/>
+            <a:off x="5737860" y="1156695"/>
             <a:ext cx="1005840" cy="702585"/>
           </a:xfrm>
           <a:prstGeom prst="rect">
@@ -47305,7 +47312,7 @@
         </p:nvSpPr>
         <p:spPr>
           <a:xfrm>
-            <a:off x="4281949" y="2592646"/>
+            <a:off x="4883929" y="2341186"/>
             <a:ext cx="1005840" cy="702585"/>
           </a:xfrm>
           <a:prstGeom prst="rect">
@@ -47378,7 +47385,7 @@
         </p:nvSpPr>
         <p:spPr>
           <a:xfrm>
-            <a:off x="4366014" y="3783951"/>
+            <a:off x="4967994" y="3532491"/>
             <a:ext cx="837709" cy="646331"/>
           </a:xfrm>
           <a:prstGeom prst="rect">
@@ -47409,7 +47416,7 @@
         </p:nvSpPr>
         <p:spPr>
           <a:xfrm>
-            <a:off x="6256020" y="2592646"/>
+            <a:off x="6858000" y="2341186"/>
             <a:ext cx="632460" cy="646331"/>
           </a:xfrm>
           <a:prstGeom prst="rect">
@@ -47443,7 +47450,7 @@
         </p:nvCxnSpPr>
         <p:spPr>
           <a:xfrm>
-            <a:off x="5638800" y="2110740"/>
+            <a:off x="6240780" y="1859280"/>
             <a:ext cx="933450" cy="481906"/>
           </a:xfrm>
           <a:prstGeom prst="line">
@@ -47475,13 +47482,12 @@
           <p:cNvPr id="90" name="Gerader Verbinder 89"/>
           <p:cNvCxnSpPr>
             <a:stCxn id="82" idx="2"/>
-            <a:endCxn id="83" idx="0"/>
           </p:cNvCxnSpPr>
           <p:nvPr/>
         </p:nvCxnSpPr>
         <p:spPr>
           <a:xfrm flipH="1">
-            <a:off x="4784869" y="2110740"/>
+            <a:off x="5386849" y="1859280"/>
             <a:ext cx="853931" cy="481906"/>
           </a:xfrm>
           <a:prstGeom prst="line">
@@ -47519,7 +47525,7 @@
         </p:nvCxnSpPr>
         <p:spPr>
           <a:xfrm>
-            <a:off x="4784869" y="3295231"/>
+            <a:off x="5386849" y="3043771"/>
             <a:ext cx="0" cy="488720"/>
           </a:xfrm>
           <a:prstGeom prst="line">
@@ -47529,6 +47535,555 @@
             <a:solidFill>
               <a:schemeClr val="tx1"/>
             </a:solidFill>
+          </a:ln>
+        </p:spPr>
+        <p:style>
+          <a:lnRef idx="1">
+            <a:schemeClr val="accent1"/>
+          </a:lnRef>
+          <a:fillRef idx="0">
+            <a:schemeClr val="accent1"/>
+          </a:fillRef>
+          <a:effectRef idx="0">
+            <a:schemeClr val="accent1"/>
+          </a:effectRef>
+          <a:fontRef idx="minor">
+            <a:schemeClr val="tx1"/>
+          </a:fontRef>
+        </p:style>
+      </p:cxnSp>
+      <p:sp>
+        <p:nvSpPr>
+          <p:cNvPr id="17" name="Rechteck 16"/>
+          <p:cNvSpPr/>
+          <p:nvPr/>
+        </p:nvSpPr>
+        <p:spPr>
+          <a:xfrm>
+            <a:off x="4929894" y="4178822"/>
+            <a:ext cx="228846" cy="225538"/>
+          </a:xfrm>
+          <a:prstGeom prst="rect">
+            <a:avLst/>
+          </a:prstGeom>
+          <a:solidFill>
+            <a:schemeClr val="bg1"/>
+          </a:solidFill>
+          <a:ln>
+            <a:solidFill>
+              <a:schemeClr val="tx1"/>
+            </a:solidFill>
+          </a:ln>
+        </p:spPr>
+        <p:style>
+          <a:lnRef idx="2">
+            <a:schemeClr val="accent1">
+              <a:shade val="50000"/>
+            </a:schemeClr>
+          </a:lnRef>
+          <a:fillRef idx="1">
+            <a:schemeClr val="accent1"/>
+          </a:fillRef>
+          <a:effectRef idx="0">
+            <a:schemeClr val="accent1"/>
+          </a:effectRef>
+          <a:fontRef idx="minor">
+            <a:schemeClr val="lt1"/>
+          </a:fontRef>
+        </p:style>
+        <p:txBody>
+          <a:bodyPr rtlCol="0" anchor="ctr"/>
+          <a:lstStyle/>
+          <a:p>
+            <a:pPr algn="ctr"/>
+            <a:r>
+              <a:rPr lang="en-US" dirty="0" smtClean="0">
+                <a:solidFill>
+                  <a:schemeClr val="tx1"/>
+                </a:solidFill>
+              </a:rPr>
+              <a:t>0</a:t>
+            </a:r>
+            <a:endParaRPr lang="en-US" dirty="0">
+              <a:solidFill>
+                <a:schemeClr val="tx1"/>
+              </a:solidFill>
+            </a:endParaRPr>
+          </a:p>
+        </p:txBody>
+      </p:sp>
+      <p:sp>
+        <p:nvSpPr>
+          <p:cNvPr id="49" name="Rechteck 48"/>
+          <p:cNvSpPr/>
+          <p:nvPr/>
+        </p:nvSpPr>
+        <p:spPr>
+          <a:xfrm>
+            <a:off x="5249934" y="4178822"/>
+            <a:ext cx="228846" cy="225538"/>
+          </a:xfrm>
+          <a:prstGeom prst="rect">
+            <a:avLst/>
+          </a:prstGeom>
+          <a:solidFill>
+            <a:schemeClr val="bg1"/>
+          </a:solidFill>
+          <a:ln>
+            <a:solidFill>
+              <a:schemeClr val="tx1"/>
+            </a:solidFill>
+          </a:ln>
+        </p:spPr>
+        <p:style>
+          <a:lnRef idx="2">
+            <a:schemeClr val="accent1">
+              <a:shade val="50000"/>
+            </a:schemeClr>
+          </a:lnRef>
+          <a:fillRef idx="1">
+            <a:schemeClr val="accent1"/>
+          </a:fillRef>
+          <a:effectRef idx="0">
+            <a:schemeClr val="accent1"/>
+          </a:effectRef>
+          <a:fontRef idx="minor">
+            <a:schemeClr val="lt1"/>
+          </a:fontRef>
+        </p:style>
+        <p:txBody>
+          <a:bodyPr rtlCol="0" anchor="ctr"/>
+          <a:lstStyle/>
+          <a:p>
+            <a:pPr algn="ctr"/>
+            <a:r>
+              <a:rPr lang="en-US" dirty="0">
+                <a:solidFill>
+                  <a:schemeClr val="tx1"/>
+                </a:solidFill>
+              </a:rPr>
+              <a:t>1</a:t>
+            </a:r>
+            <a:endParaRPr lang="en-US" dirty="0">
+              <a:solidFill>
+                <a:schemeClr val="tx1"/>
+              </a:solidFill>
+            </a:endParaRPr>
+          </a:p>
+        </p:txBody>
+      </p:sp>
+      <p:sp>
+        <p:nvSpPr>
+          <p:cNvPr id="50" name="Rechteck 49"/>
+          <p:cNvSpPr/>
+          <p:nvPr/>
+        </p:nvSpPr>
+        <p:spPr>
+          <a:xfrm>
+            <a:off x="5577348" y="4178822"/>
+            <a:ext cx="228846" cy="225538"/>
+          </a:xfrm>
+          <a:prstGeom prst="rect">
+            <a:avLst/>
+          </a:prstGeom>
+          <a:solidFill>
+            <a:schemeClr val="bg1"/>
+          </a:solidFill>
+          <a:ln>
+            <a:solidFill>
+              <a:schemeClr val="tx1"/>
+            </a:solidFill>
+          </a:ln>
+        </p:spPr>
+        <p:style>
+          <a:lnRef idx="2">
+            <a:schemeClr val="accent1">
+              <a:shade val="50000"/>
+            </a:schemeClr>
+          </a:lnRef>
+          <a:fillRef idx="1">
+            <a:schemeClr val="accent1"/>
+          </a:fillRef>
+          <a:effectRef idx="0">
+            <a:schemeClr val="accent1"/>
+          </a:effectRef>
+          <a:fontRef idx="minor">
+            <a:schemeClr val="lt1"/>
+          </a:fontRef>
+        </p:style>
+        <p:txBody>
+          <a:bodyPr rtlCol="0" anchor="ctr"/>
+          <a:lstStyle/>
+          <a:p>
+            <a:pPr algn="ctr"/>
+            <a:r>
+              <a:rPr lang="en-US" dirty="0" smtClean="0">
+                <a:solidFill>
+                  <a:schemeClr val="tx1"/>
+                </a:solidFill>
+              </a:rPr>
+              <a:t>2</a:t>
+            </a:r>
+            <a:endParaRPr lang="en-US" dirty="0">
+              <a:solidFill>
+                <a:schemeClr val="tx1"/>
+              </a:solidFill>
+            </a:endParaRPr>
+          </a:p>
+        </p:txBody>
+      </p:sp>
+      <p:cxnSp>
+        <p:nvCxnSpPr>
+          <p:cNvPr id="31" name="Gerade Verbindung mit Pfeil 30"/>
+          <p:cNvCxnSpPr>
+            <a:stCxn id="83" idx="1"/>
+          </p:cNvCxnSpPr>
+          <p:nvPr/>
+        </p:nvCxnSpPr>
+        <p:spPr>
+          <a:xfrm flipH="1" flipV="1">
+            <a:off x="3069075" y="2069695"/>
+            <a:ext cx="1814854" cy="622784"/>
+          </a:xfrm>
+          <a:prstGeom prst="straightConnector1">
+            <a:avLst/>
+          </a:prstGeom>
+          <a:ln w="12700">
+            <a:solidFill>
+              <a:schemeClr val="tx1"/>
+            </a:solidFill>
+            <a:tailEnd type="triangle"/>
+          </a:ln>
+        </p:spPr>
+        <p:style>
+          <a:lnRef idx="1">
+            <a:schemeClr val="accent4"/>
+          </a:lnRef>
+          <a:fillRef idx="0">
+            <a:schemeClr val="accent4"/>
+          </a:fillRef>
+          <a:effectRef idx="0">
+            <a:schemeClr val="accent4"/>
+          </a:effectRef>
+          <a:fontRef idx="minor">
+            <a:schemeClr val="tx1"/>
+          </a:fontRef>
+        </p:style>
+      </p:cxnSp>
+      <p:cxnSp>
+        <p:nvCxnSpPr>
+          <p:cNvPr id="34" name="Gerader Verbinder 33"/>
+          <p:cNvCxnSpPr/>
+          <p:nvPr/>
+        </p:nvCxnSpPr>
+        <p:spPr>
+          <a:xfrm>
+            <a:off x="4929894" y="4178822"/>
+            <a:ext cx="228846" cy="225538"/>
+          </a:xfrm>
+          <a:prstGeom prst="line">
+            <a:avLst/>
+          </a:prstGeom>
+          <a:ln w="12700">
+            <a:solidFill>
+              <a:srgbClr val="FF0000"/>
+            </a:solidFill>
+          </a:ln>
+        </p:spPr>
+        <p:style>
+          <a:lnRef idx="1">
+            <a:schemeClr val="accent1"/>
+          </a:lnRef>
+          <a:fillRef idx="0">
+            <a:schemeClr val="accent1"/>
+          </a:fillRef>
+          <a:effectRef idx="0">
+            <a:schemeClr val="accent1"/>
+          </a:effectRef>
+          <a:fontRef idx="minor">
+            <a:schemeClr val="tx1"/>
+          </a:fontRef>
+        </p:style>
+      </p:cxnSp>
+      <p:cxnSp>
+        <p:nvCxnSpPr>
+          <p:cNvPr id="86" name="Gerader Verbinder 85"/>
+          <p:cNvCxnSpPr/>
+          <p:nvPr/>
+        </p:nvCxnSpPr>
+        <p:spPr>
+          <a:xfrm>
+            <a:off x="5249934" y="4178822"/>
+            <a:ext cx="228846" cy="225538"/>
+          </a:xfrm>
+          <a:prstGeom prst="line">
+            <a:avLst/>
+          </a:prstGeom>
+          <a:ln w="12700">
+            <a:solidFill>
+              <a:srgbClr val="FF0000"/>
+            </a:solidFill>
+          </a:ln>
+        </p:spPr>
+        <p:style>
+          <a:lnRef idx="1">
+            <a:schemeClr val="accent1"/>
+          </a:lnRef>
+          <a:fillRef idx="0">
+            <a:schemeClr val="accent1"/>
+          </a:fillRef>
+          <a:effectRef idx="0">
+            <a:schemeClr val="accent1"/>
+          </a:effectRef>
+          <a:fontRef idx="minor">
+            <a:schemeClr val="tx1"/>
+          </a:fontRef>
+        </p:style>
+      </p:cxnSp>
+      <p:cxnSp>
+        <p:nvCxnSpPr>
+          <p:cNvPr id="88" name="Gerader Verbinder 87"/>
+          <p:cNvCxnSpPr/>
+          <p:nvPr/>
+        </p:nvCxnSpPr>
+        <p:spPr>
+          <a:xfrm flipV="1">
+            <a:off x="4929894" y="4178822"/>
+            <a:ext cx="228846" cy="225538"/>
+          </a:xfrm>
+          <a:prstGeom prst="line">
+            <a:avLst/>
+          </a:prstGeom>
+          <a:ln w="12700">
+            <a:solidFill>
+              <a:srgbClr val="FF0000"/>
+            </a:solidFill>
+          </a:ln>
+        </p:spPr>
+        <p:style>
+          <a:lnRef idx="1">
+            <a:schemeClr val="accent1"/>
+          </a:lnRef>
+          <a:fillRef idx="0">
+            <a:schemeClr val="accent1"/>
+          </a:fillRef>
+          <a:effectRef idx="0">
+            <a:schemeClr val="accent1"/>
+          </a:effectRef>
+          <a:fontRef idx="minor">
+            <a:schemeClr val="tx1"/>
+          </a:fontRef>
+        </p:style>
+      </p:cxnSp>
+      <p:cxnSp>
+        <p:nvCxnSpPr>
+          <p:cNvPr id="89" name="Gerader Verbinder 88"/>
+          <p:cNvCxnSpPr/>
+          <p:nvPr/>
+        </p:nvCxnSpPr>
+        <p:spPr>
+          <a:xfrm flipV="1">
+            <a:off x="5257554" y="4178822"/>
+            <a:ext cx="228846" cy="225538"/>
+          </a:xfrm>
+          <a:prstGeom prst="line">
+            <a:avLst/>
+          </a:prstGeom>
+          <a:ln w="12700">
+            <a:solidFill>
+              <a:srgbClr val="FF0000"/>
+            </a:solidFill>
+          </a:ln>
+        </p:spPr>
+        <p:style>
+          <a:lnRef idx="1">
+            <a:schemeClr val="accent1"/>
+          </a:lnRef>
+          <a:fillRef idx="0">
+            <a:schemeClr val="accent1"/>
+          </a:fillRef>
+          <a:effectRef idx="0">
+            <a:schemeClr val="accent1"/>
+          </a:effectRef>
+          <a:fontRef idx="minor">
+            <a:schemeClr val="tx1"/>
+          </a:fontRef>
+        </p:style>
+      </p:cxnSp>
+      <p:cxnSp>
+        <p:nvCxnSpPr>
+          <p:cNvPr id="40" name="Gerade Verbindung mit Pfeil 39"/>
+          <p:cNvCxnSpPr/>
+          <p:nvPr/>
+        </p:nvCxnSpPr>
+        <p:spPr>
+          <a:xfrm>
+            <a:off x="3069075" y="2069695"/>
+            <a:ext cx="1860819" cy="2109127"/>
+          </a:xfrm>
+          <a:prstGeom prst="straightConnector1">
+            <a:avLst/>
+          </a:prstGeom>
+          <a:ln w="12700">
+            <a:solidFill>
+              <a:schemeClr val="tx1"/>
+            </a:solidFill>
+            <a:tailEnd type="triangle"/>
+          </a:ln>
+        </p:spPr>
+        <p:style>
+          <a:lnRef idx="1">
+            <a:schemeClr val="accent1"/>
+          </a:lnRef>
+          <a:fillRef idx="0">
+            <a:schemeClr val="accent1"/>
+          </a:fillRef>
+          <a:effectRef idx="0">
+            <a:schemeClr val="accent1"/>
+          </a:effectRef>
+          <a:fontRef idx="minor">
+            <a:schemeClr val="tx1"/>
+          </a:fontRef>
+        </p:style>
+      </p:cxnSp>
+      <p:cxnSp>
+        <p:nvCxnSpPr>
+          <p:cNvPr id="42" name="Gerade Verbindung mit Pfeil 41"/>
+          <p:cNvCxnSpPr>
+            <a:stCxn id="83" idx="1"/>
+            <a:endCxn id="63" idx="3"/>
+          </p:cNvCxnSpPr>
+          <p:nvPr/>
+        </p:nvCxnSpPr>
+        <p:spPr>
+          <a:xfrm flipH="1">
+            <a:off x="3069075" y="2692479"/>
+            <a:ext cx="1814854" cy="659902"/>
+          </a:xfrm>
+          <a:prstGeom prst="straightConnector1">
+            <a:avLst/>
+          </a:prstGeom>
+          <a:ln w="12700">
+            <a:solidFill>
+              <a:schemeClr val="tx1"/>
+            </a:solidFill>
+            <a:tailEnd type="triangle"/>
+          </a:ln>
+        </p:spPr>
+        <p:style>
+          <a:lnRef idx="1">
+            <a:schemeClr val="accent1"/>
+          </a:lnRef>
+          <a:fillRef idx="0">
+            <a:schemeClr val="accent1"/>
+          </a:fillRef>
+          <a:effectRef idx="0">
+            <a:schemeClr val="accent1"/>
+          </a:effectRef>
+          <a:fontRef idx="minor">
+            <a:schemeClr val="tx1"/>
+          </a:fontRef>
+        </p:style>
+      </p:cxnSp>
+      <p:cxnSp>
+        <p:nvCxnSpPr>
+          <p:cNvPr id="44" name="Gerade Verbindung mit Pfeil 43"/>
+          <p:cNvCxnSpPr>
+            <a:stCxn id="63" idx="3"/>
+            <a:endCxn id="49" idx="0"/>
+          </p:cNvCxnSpPr>
+          <p:nvPr/>
+        </p:nvCxnSpPr>
+        <p:spPr>
+          <a:xfrm>
+            <a:off x="3069075" y="3352381"/>
+            <a:ext cx="2295282" cy="826441"/>
+          </a:xfrm>
+          <a:prstGeom prst="straightConnector1">
+            <a:avLst/>
+          </a:prstGeom>
+          <a:ln w="12700">
+            <a:solidFill>
+              <a:schemeClr val="tx1"/>
+            </a:solidFill>
+            <a:tailEnd type="triangle"/>
+          </a:ln>
+        </p:spPr>
+        <p:style>
+          <a:lnRef idx="1">
+            <a:schemeClr val="accent1"/>
+          </a:lnRef>
+          <a:fillRef idx="0">
+            <a:schemeClr val="accent1"/>
+          </a:fillRef>
+          <a:effectRef idx="0">
+            <a:schemeClr val="accent1"/>
+          </a:effectRef>
+          <a:fontRef idx="minor">
+            <a:schemeClr val="tx1"/>
+          </a:fontRef>
+        </p:style>
+      </p:cxnSp>
+      <p:cxnSp>
+        <p:nvCxnSpPr>
+          <p:cNvPr id="48" name="Gerade Verbindung mit Pfeil 47"/>
+          <p:cNvCxnSpPr>
+            <a:stCxn id="83" idx="1"/>
+            <a:endCxn id="76" idx="3"/>
+          </p:cNvCxnSpPr>
+          <p:nvPr/>
+        </p:nvCxnSpPr>
+        <p:spPr>
+          <a:xfrm flipH="1">
+            <a:off x="3073957" y="2692479"/>
+            <a:ext cx="1809972" cy="1926546"/>
+          </a:xfrm>
+          <a:prstGeom prst="straightConnector1">
+            <a:avLst/>
+          </a:prstGeom>
+          <a:ln w="12700">
+            <a:solidFill>
+              <a:schemeClr val="tx1"/>
+            </a:solidFill>
+            <a:tailEnd type="triangle"/>
+          </a:ln>
+        </p:spPr>
+        <p:style>
+          <a:lnRef idx="1">
+            <a:schemeClr val="accent1"/>
+          </a:lnRef>
+          <a:fillRef idx="0">
+            <a:schemeClr val="accent1"/>
+          </a:fillRef>
+          <a:effectRef idx="0">
+            <a:schemeClr val="accent1"/>
+          </a:effectRef>
+          <a:fontRef idx="minor">
+            <a:schemeClr val="tx1"/>
+          </a:fontRef>
+        </p:style>
+      </p:cxnSp>
+      <p:cxnSp>
+        <p:nvCxnSpPr>
+          <p:cNvPr id="53" name="Gerade Verbindung mit Pfeil 52"/>
+          <p:cNvCxnSpPr>
+            <a:endCxn id="50" idx="1"/>
+          </p:cNvCxnSpPr>
+          <p:nvPr/>
+        </p:nvCxnSpPr>
+        <p:spPr>
+          <a:xfrm flipV="1">
+            <a:off x="3073957" y="4291591"/>
+            <a:ext cx="2503391" cy="341251"/>
+          </a:xfrm>
+          <a:prstGeom prst="straightConnector1">
+            <a:avLst/>
+          </a:prstGeom>
+          <a:ln w="12700">
+            <a:solidFill>
+              <a:schemeClr val="tx1"/>
+            </a:solidFill>
+            <a:tailEnd type="triangle"/>
           </a:ln>
         </p:spPr>
         <p:style>
@@ -47556,6 +48111,734 @@
   <p:clrMapOvr>
     <a:masterClrMapping/>
   </p:clrMapOvr>
+  <p:timing>
+    <p:tnLst>
+      <p:par>
+        <p:cTn id="1" dur="indefinite" restart="never" nodeType="tmRoot">
+          <p:childTnLst>
+            <p:seq concurrent="1" nextAc="seek">
+              <p:cTn id="2" dur="indefinite" nodeType="mainSeq">
+                <p:childTnLst>
+                  <p:par>
+                    <p:cTn id="3" fill="hold">
+                      <p:stCondLst>
+                        <p:cond delay="indefinite"/>
+                      </p:stCondLst>
+                      <p:childTnLst>
+                        <p:par>
+                          <p:cTn id="4" fill="hold">
+                            <p:stCondLst>
+                              <p:cond delay="0"/>
+                            </p:stCondLst>
+                            <p:childTnLst>
+                              <p:par>
+                                <p:cTn id="5" presetID="1" presetClass="entr" presetSubtype="0" fill="hold" grpId="0" nodeType="clickEffect">
+                                  <p:stCondLst>
+                                    <p:cond delay="0"/>
+                                  </p:stCondLst>
+                                  <p:childTnLst>
+                                    <p:set>
+                                      <p:cBhvr>
+                                        <p:cTn id="6" dur="1" fill="hold">
+                                          <p:stCondLst>
+                                            <p:cond delay="0"/>
+                                          </p:stCondLst>
+                                        </p:cTn>
+                                        <p:tgtEl>
+                                          <p:spTgt spid="12"/>
+                                        </p:tgtEl>
+                                        <p:attrNameLst>
+                                          <p:attrName>style.visibility</p:attrName>
+                                        </p:attrNameLst>
+                                      </p:cBhvr>
+                                      <p:to>
+                                        <p:strVal val="visible"/>
+                                      </p:to>
+                                    </p:set>
+                                  </p:childTnLst>
+                                </p:cTn>
+                              </p:par>
+                              <p:par>
+                                <p:cTn id="7" presetID="1" presetClass="entr" presetSubtype="0" fill="hold" grpId="0" nodeType="withEffect">
+                                  <p:stCondLst>
+                                    <p:cond delay="0"/>
+                                  </p:stCondLst>
+                                  <p:childTnLst>
+                                    <p:set>
+                                      <p:cBhvr>
+                                        <p:cTn id="8" dur="1" fill="hold">
+                                          <p:stCondLst>
+                                            <p:cond delay="0"/>
+                                          </p:stCondLst>
+                                        </p:cTn>
+                                        <p:tgtEl>
+                                          <p:spTgt spid="63"/>
+                                        </p:tgtEl>
+                                        <p:attrNameLst>
+                                          <p:attrName>style.visibility</p:attrName>
+                                        </p:attrNameLst>
+                                      </p:cBhvr>
+                                      <p:to>
+                                        <p:strVal val="visible"/>
+                                      </p:to>
+                                    </p:set>
+                                  </p:childTnLst>
+                                </p:cTn>
+                              </p:par>
+                              <p:par>
+                                <p:cTn id="9" presetID="1" presetClass="entr" presetSubtype="0" fill="hold" grpId="0" nodeType="withEffect">
+                                  <p:stCondLst>
+                                    <p:cond delay="0"/>
+                                  </p:stCondLst>
+                                  <p:childTnLst>
+                                    <p:set>
+                                      <p:cBhvr>
+                                        <p:cTn id="10" dur="1" fill="hold">
+                                          <p:stCondLst>
+                                            <p:cond delay="0"/>
+                                          </p:stCondLst>
+                                        </p:cTn>
+                                        <p:tgtEl>
+                                          <p:spTgt spid="76"/>
+                                        </p:tgtEl>
+                                        <p:attrNameLst>
+                                          <p:attrName>style.visibility</p:attrName>
+                                        </p:attrNameLst>
+                                      </p:cBhvr>
+                                      <p:to>
+                                        <p:strVal val="visible"/>
+                                      </p:to>
+                                    </p:set>
+                                  </p:childTnLst>
+                                </p:cTn>
+                              </p:par>
+                            </p:childTnLst>
+                          </p:cTn>
+                        </p:par>
+                      </p:childTnLst>
+                    </p:cTn>
+                  </p:par>
+                  <p:par>
+                    <p:cTn id="11" fill="hold">
+                      <p:stCondLst>
+                        <p:cond delay="indefinite"/>
+                      </p:stCondLst>
+                      <p:childTnLst>
+                        <p:par>
+                          <p:cTn id="12" fill="hold">
+                            <p:stCondLst>
+                              <p:cond delay="0"/>
+                            </p:stCondLst>
+                            <p:childTnLst>
+                              <p:par>
+                                <p:cTn id="13" presetID="1" presetClass="entr" presetSubtype="0" fill="hold" nodeType="clickEffect">
+                                  <p:stCondLst>
+                                    <p:cond delay="0"/>
+                                  </p:stCondLst>
+                                  <p:childTnLst>
+                                    <p:set>
+                                      <p:cBhvr>
+                                        <p:cTn id="14" dur="1" fill="hold">
+                                          <p:stCondLst>
+                                            <p:cond delay="0"/>
+                                          </p:stCondLst>
+                                        </p:cTn>
+                                        <p:tgtEl>
+                                          <p:spTgt spid="31"/>
+                                        </p:tgtEl>
+                                        <p:attrNameLst>
+                                          <p:attrName>style.visibility</p:attrName>
+                                        </p:attrNameLst>
+                                      </p:cBhvr>
+                                      <p:to>
+                                        <p:strVal val="visible"/>
+                                      </p:to>
+                                    </p:set>
+                                  </p:childTnLst>
+                                </p:cTn>
+                              </p:par>
+                            </p:childTnLst>
+                          </p:cTn>
+                        </p:par>
+                      </p:childTnLst>
+                    </p:cTn>
+                  </p:par>
+                  <p:par>
+                    <p:cTn id="15" fill="hold">
+                      <p:stCondLst>
+                        <p:cond delay="indefinite"/>
+                      </p:stCondLst>
+                      <p:childTnLst>
+                        <p:par>
+                          <p:cTn id="16" fill="hold">
+                            <p:stCondLst>
+                              <p:cond delay="0"/>
+                            </p:stCondLst>
+                            <p:childTnLst>
+                              <p:par>
+                                <p:cTn id="17" presetID="1" presetClass="entr" presetSubtype="0" fill="hold" nodeType="clickEffect">
+                                  <p:stCondLst>
+                                    <p:cond delay="0"/>
+                                  </p:stCondLst>
+                                  <p:childTnLst>
+                                    <p:set>
+                                      <p:cBhvr>
+                                        <p:cTn id="18" dur="1" fill="hold">
+                                          <p:stCondLst>
+                                            <p:cond delay="0"/>
+                                          </p:stCondLst>
+                                        </p:cTn>
+                                        <p:tgtEl>
+                                          <p:spTgt spid="40"/>
+                                        </p:tgtEl>
+                                        <p:attrNameLst>
+                                          <p:attrName>style.visibility</p:attrName>
+                                        </p:attrNameLst>
+                                      </p:cBhvr>
+                                      <p:to>
+                                        <p:strVal val="visible"/>
+                                      </p:to>
+                                    </p:set>
+                                  </p:childTnLst>
+                                </p:cTn>
+                              </p:par>
+                              <p:par>
+                                <p:cTn id="19" presetID="1" presetClass="entr" presetSubtype="0" fill="hold" nodeType="withEffect">
+                                  <p:stCondLst>
+                                    <p:cond delay="0"/>
+                                  </p:stCondLst>
+                                  <p:childTnLst>
+                                    <p:set>
+                                      <p:cBhvr>
+                                        <p:cTn id="20" dur="1" fill="hold">
+                                          <p:stCondLst>
+                                            <p:cond delay="0"/>
+                                          </p:stCondLst>
+                                        </p:cTn>
+                                        <p:tgtEl>
+                                          <p:spTgt spid="34"/>
+                                        </p:tgtEl>
+                                        <p:attrNameLst>
+                                          <p:attrName>style.visibility</p:attrName>
+                                        </p:attrNameLst>
+                                      </p:cBhvr>
+                                      <p:to>
+                                        <p:strVal val="visible"/>
+                                      </p:to>
+                                    </p:set>
+                                  </p:childTnLst>
+                                </p:cTn>
+                              </p:par>
+                              <p:par>
+                                <p:cTn id="21" presetID="1" presetClass="entr" presetSubtype="0" fill="hold" nodeType="withEffect">
+                                  <p:stCondLst>
+                                    <p:cond delay="0"/>
+                                  </p:stCondLst>
+                                  <p:childTnLst>
+                                    <p:set>
+                                      <p:cBhvr>
+                                        <p:cTn id="22" dur="1" fill="hold">
+                                          <p:stCondLst>
+                                            <p:cond delay="0"/>
+                                          </p:stCondLst>
+                                        </p:cTn>
+                                        <p:tgtEl>
+                                          <p:spTgt spid="88"/>
+                                        </p:tgtEl>
+                                        <p:attrNameLst>
+                                          <p:attrName>style.visibility</p:attrName>
+                                        </p:attrNameLst>
+                                      </p:cBhvr>
+                                      <p:to>
+                                        <p:strVal val="visible"/>
+                                      </p:to>
+                                    </p:set>
+                                  </p:childTnLst>
+                                </p:cTn>
+                              </p:par>
+                            </p:childTnLst>
+                          </p:cTn>
+                        </p:par>
+                      </p:childTnLst>
+                    </p:cTn>
+                  </p:par>
+                  <p:par>
+                    <p:cTn id="23" fill="hold">
+                      <p:stCondLst>
+                        <p:cond delay="indefinite"/>
+                      </p:stCondLst>
+                      <p:childTnLst>
+                        <p:par>
+                          <p:cTn id="24" fill="hold">
+                            <p:stCondLst>
+                              <p:cond delay="0"/>
+                            </p:stCondLst>
+                            <p:childTnLst>
+                              <p:par>
+                                <p:cTn id="25" presetID="1" presetClass="exit" presetSubtype="0" fill="hold" nodeType="clickEffect">
+                                  <p:stCondLst>
+                                    <p:cond delay="0"/>
+                                  </p:stCondLst>
+                                  <p:childTnLst>
+                                    <p:set>
+                                      <p:cBhvr>
+                                        <p:cTn id="26" dur="1" fill="hold">
+                                          <p:stCondLst>
+                                            <p:cond delay="0"/>
+                                          </p:stCondLst>
+                                        </p:cTn>
+                                        <p:tgtEl>
+                                          <p:spTgt spid="31"/>
+                                        </p:tgtEl>
+                                        <p:attrNameLst>
+                                          <p:attrName>style.visibility</p:attrName>
+                                        </p:attrNameLst>
+                                      </p:cBhvr>
+                                      <p:to>
+                                        <p:strVal val="hidden"/>
+                                      </p:to>
+                                    </p:set>
+                                  </p:childTnLst>
+                                </p:cTn>
+                              </p:par>
+                              <p:par>
+                                <p:cTn id="27" presetID="1" presetClass="exit" presetSubtype="0" fill="hold" nodeType="withEffect">
+                                  <p:stCondLst>
+                                    <p:cond delay="0"/>
+                                  </p:stCondLst>
+                                  <p:childTnLst>
+                                    <p:set>
+                                      <p:cBhvr>
+                                        <p:cTn id="28" dur="1" fill="hold">
+                                          <p:stCondLst>
+                                            <p:cond delay="0"/>
+                                          </p:stCondLst>
+                                        </p:cTn>
+                                        <p:tgtEl>
+                                          <p:spTgt spid="40"/>
+                                        </p:tgtEl>
+                                        <p:attrNameLst>
+                                          <p:attrName>style.visibility</p:attrName>
+                                        </p:attrNameLst>
+                                      </p:cBhvr>
+                                      <p:to>
+                                        <p:strVal val="hidden"/>
+                                      </p:to>
+                                    </p:set>
+                                  </p:childTnLst>
+                                </p:cTn>
+                              </p:par>
+                            </p:childTnLst>
+                          </p:cTn>
+                        </p:par>
+                      </p:childTnLst>
+                    </p:cTn>
+                  </p:par>
+                  <p:par>
+                    <p:cTn id="29" fill="hold">
+                      <p:stCondLst>
+                        <p:cond delay="indefinite"/>
+                      </p:stCondLst>
+                      <p:childTnLst>
+                        <p:par>
+                          <p:cTn id="30" fill="hold">
+                            <p:stCondLst>
+                              <p:cond delay="0"/>
+                            </p:stCondLst>
+                            <p:childTnLst>
+                              <p:par>
+                                <p:cTn id="31" presetID="1" presetClass="entr" presetSubtype="0" fill="hold" nodeType="clickEffect">
+                                  <p:stCondLst>
+                                    <p:cond delay="0"/>
+                                  </p:stCondLst>
+                                  <p:childTnLst>
+                                    <p:set>
+                                      <p:cBhvr>
+                                        <p:cTn id="32" dur="1" fill="hold">
+                                          <p:stCondLst>
+                                            <p:cond delay="0"/>
+                                          </p:stCondLst>
+                                        </p:cTn>
+                                        <p:tgtEl>
+                                          <p:spTgt spid="42"/>
+                                        </p:tgtEl>
+                                        <p:attrNameLst>
+                                          <p:attrName>style.visibility</p:attrName>
+                                        </p:attrNameLst>
+                                      </p:cBhvr>
+                                      <p:to>
+                                        <p:strVal val="visible"/>
+                                      </p:to>
+                                    </p:set>
+                                  </p:childTnLst>
+                                </p:cTn>
+                              </p:par>
+                            </p:childTnLst>
+                          </p:cTn>
+                        </p:par>
+                      </p:childTnLst>
+                    </p:cTn>
+                  </p:par>
+                  <p:par>
+                    <p:cTn id="33" fill="hold">
+                      <p:stCondLst>
+                        <p:cond delay="indefinite"/>
+                      </p:stCondLst>
+                      <p:childTnLst>
+                        <p:par>
+                          <p:cTn id="34" fill="hold">
+                            <p:stCondLst>
+                              <p:cond delay="0"/>
+                            </p:stCondLst>
+                            <p:childTnLst>
+                              <p:par>
+                                <p:cTn id="35" presetID="1" presetClass="entr" presetSubtype="0" fill="hold" nodeType="clickEffect">
+                                  <p:stCondLst>
+                                    <p:cond delay="0"/>
+                                  </p:stCondLst>
+                                  <p:childTnLst>
+                                    <p:set>
+                                      <p:cBhvr>
+                                        <p:cTn id="36" dur="1" fill="hold">
+                                          <p:stCondLst>
+                                            <p:cond delay="0"/>
+                                          </p:stCondLst>
+                                        </p:cTn>
+                                        <p:tgtEl>
+                                          <p:spTgt spid="44"/>
+                                        </p:tgtEl>
+                                        <p:attrNameLst>
+                                          <p:attrName>style.visibility</p:attrName>
+                                        </p:attrNameLst>
+                                      </p:cBhvr>
+                                      <p:to>
+                                        <p:strVal val="visible"/>
+                                      </p:to>
+                                    </p:set>
+                                  </p:childTnLst>
+                                </p:cTn>
+                              </p:par>
+                              <p:par>
+                                <p:cTn id="37" presetID="1" presetClass="entr" presetSubtype="0" fill="hold" nodeType="withEffect">
+                                  <p:stCondLst>
+                                    <p:cond delay="0"/>
+                                  </p:stCondLst>
+                                  <p:childTnLst>
+                                    <p:set>
+                                      <p:cBhvr>
+                                        <p:cTn id="38" dur="1" fill="hold">
+                                          <p:stCondLst>
+                                            <p:cond delay="0"/>
+                                          </p:stCondLst>
+                                        </p:cTn>
+                                        <p:tgtEl>
+                                          <p:spTgt spid="86"/>
+                                        </p:tgtEl>
+                                        <p:attrNameLst>
+                                          <p:attrName>style.visibility</p:attrName>
+                                        </p:attrNameLst>
+                                      </p:cBhvr>
+                                      <p:to>
+                                        <p:strVal val="visible"/>
+                                      </p:to>
+                                    </p:set>
+                                  </p:childTnLst>
+                                </p:cTn>
+                              </p:par>
+                              <p:par>
+                                <p:cTn id="39" presetID="1" presetClass="entr" presetSubtype="0" fill="hold" nodeType="withEffect">
+                                  <p:stCondLst>
+                                    <p:cond delay="0"/>
+                                  </p:stCondLst>
+                                  <p:childTnLst>
+                                    <p:set>
+                                      <p:cBhvr>
+                                        <p:cTn id="40" dur="1" fill="hold">
+                                          <p:stCondLst>
+                                            <p:cond delay="0"/>
+                                          </p:stCondLst>
+                                        </p:cTn>
+                                        <p:tgtEl>
+                                          <p:spTgt spid="89"/>
+                                        </p:tgtEl>
+                                        <p:attrNameLst>
+                                          <p:attrName>style.visibility</p:attrName>
+                                        </p:attrNameLst>
+                                      </p:cBhvr>
+                                      <p:to>
+                                        <p:strVal val="visible"/>
+                                      </p:to>
+                                    </p:set>
+                                  </p:childTnLst>
+                                </p:cTn>
+                              </p:par>
+                            </p:childTnLst>
+                          </p:cTn>
+                        </p:par>
+                      </p:childTnLst>
+                    </p:cTn>
+                  </p:par>
+                  <p:par>
+                    <p:cTn id="41" fill="hold">
+                      <p:stCondLst>
+                        <p:cond delay="indefinite"/>
+                      </p:stCondLst>
+                      <p:childTnLst>
+                        <p:par>
+                          <p:cTn id="42" fill="hold">
+                            <p:stCondLst>
+                              <p:cond delay="0"/>
+                            </p:stCondLst>
+                            <p:childTnLst>
+                              <p:par>
+                                <p:cTn id="43" presetID="1" presetClass="exit" presetSubtype="0" fill="hold" nodeType="clickEffect">
+                                  <p:stCondLst>
+                                    <p:cond delay="0"/>
+                                  </p:stCondLst>
+                                  <p:childTnLst>
+                                    <p:set>
+                                      <p:cBhvr>
+                                        <p:cTn id="44" dur="1" fill="hold">
+                                          <p:stCondLst>
+                                            <p:cond delay="0"/>
+                                          </p:stCondLst>
+                                        </p:cTn>
+                                        <p:tgtEl>
+                                          <p:spTgt spid="42"/>
+                                        </p:tgtEl>
+                                        <p:attrNameLst>
+                                          <p:attrName>style.visibility</p:attrName>
+                                        </p:attrNameLst>
+                                      </p:cBhvr>
+                                      <p:to>
+                                        <p:strVal val="hidden"/>
+                                      </p:to>
+                                    </p:set>
+                                  </p:childTnLst>
+                                </p:cTn>
+                              </p:par>
+                              <p:par>
+                                <p:cTn id="45" presetID="1" presetClass="exit" presetSubtype="0" fill="hold" nodeType="withEffect">
+                                  <p:stCondLst>
+                                    <p:cond delay="0"/>
+                                  </p:stCondLst>
+                                  <p:childTnLst>
+                                    <p:set>
+                                      <p:cBhvr>
+                                        <p:cTn id="46" dur="1" fill="hold">
+                                          <p:stCondLst>
+                                            <p:cond delay="0"/>
+                                          </p:stCondLst>
+                                        </p:cTn>
+                                        <p:tgtEl>
+                                          <p:spTgt spid="44"/>
+                                        </p:tgtEl>
+                                        <p:attrNameLst>
+                                          <p:attrName>style.visibility</p:attrName>
+                                        </p:attrNameLst>
+                                      </p:cBhvr>
+                                      <p:to>
+                                        <p:strVal val="hidden"/>
+                                      </p:to>
+                                    </p:set>
+                                  </p:childTnLst>
+                                </p:cTn>
+                              </p:par>
+                            </p:childTnLst>
+                          </p:cTn>
+                        </p:par>
+                      </p:childTnLst>
+                    </p:cTn>
+                  </p:par>
+                  <p:par>
+                    <p:cTn id="47" fill="hold">
+                      <p:stCondLst>
+                        <p:cond delay="indefinite"/>
+                      </p:stCondLst>
+                      <p:childTnLst>
+                        <p:par>
+                          <p:cTn id="48" fill="hold">
+                            <p:stCondLst>
+                              <p:cond delay="0"/>
+                            </p:stCondLst>
+                            <p:childTnLst>
+                              <p:par>
+                                <p:cTn id="49" presetID="1" presetClass="entr" presetSubtype="0" fill="hold" nodeType="clickEffect">
+                                  <p:stCondLst>
+                                    <p:cond delay="0"/>
+                                  </p:stCondLst>
+                                  <p:childTnLst>
+                                    <p:set>
+                                      <p:cBhvr>
+                                        <p:cTn id="50" dur="1" fill="hold">
+                                          <p:stCondLst>
+                                            <p:cond delay="0"/>
+                                          </p:stCondLst>
+                                        </p:cTn>
+                                        <p:tgtEl>
+                                          <p:spTgt spid="48"/>
+                                        </p:tgtEl>
+                                        <p:attrNameLst>
+                                          <p:attrName>style.visibility</p:attrName>
+                                        </p:attrNameLst>
+                                      </p:cBhvr>
+                                      <p:to>
+                                        <p:strVal val="visible"/>
+                                      </p:to>
+                                    </p:set>
+                                  </p:childTnLst>
+                                </p:cTn>
+                              </p:par>
+                            </p:childTnLst>
+                          </p:cTn>
+                        </p:par>
+                      </p:childTnLst>
+                    </p:cTn>
+                  </p:par>
+                  <p:par>
+                    <p:cTn id="51" fill="hold">
+                      <p:stCondLst>
+                        <p:cond delay="indefinite"/>
+                      </p:stCondLst>
+                      <p:childTnLst>
+                        <p:par>
+                          <p:cTn id="52" fill="hold">
+                            <p:stCondLst>
+                              <p:cond delay="0"/>
+                            </p:stCondLst>
+                            <p:childTnLst>
+                              <p:par>
+                                <p:cTn id="53" presetID="1" presetClass="entr" presetSubtype="0" fill="hold" nodeType="clickEffect">
+                                  <p:stCondLst>
+                                    <p:cond delay="0"/>
+                                  </p:stCondLst>
+                                  <p:childTnLst>
+                                    <p:set>
+                                      <p:cBhvr>
+                                        <p:cTn id="54" dur="1" fill="hold">
+                                          <p:stCondLst>
+                                            <p:cond delay="0"/>
+                                          </p:stCondLst>
+                                        </p:cTn>
+                                        <p:tgtEl>
+                                          <p:spTgt spid="53"/>
+                                        </p:tgtEl>
+                                        <p:attrNameLst>
+                                          <p:attrName>style.visibility</p:attrName>
+                                        </p:attrNameLst>
+                                      </p:cBhvr>
+                                      <p:to>
+                                        <p:strVal val="visible"/>
+                                      </p:to>
+                                    </p:set>
+                                  </p:childTnLst>
+                                </p:cTn>
+                              </p:par>
+                            </p:childTnLst>
+                          </p:cTn>
+                        </p:par>
+                      </p:childTnLst>
+                    </p:cTn>
+                  </p:par>
+                  <p:par>
+                    <p:cTn id="55" fill="hold">
+                      <p:stCondLst>
+                        <p:cond delay="indefinite"/>
+                      </p:stCondLst>
+                      <p:childTnLst>
+                        <p:par>
+                          <p:cTn id="56" fill="hold">
+                            <p:stCondLst>
+                              <p:cond delay="0"/>
+                            </p:stCondLst>
+                            <p:childTnLst>
+                              <p:par>
+                                <p:cTn id="57" presetID="1" presetClass="exit" presetSubtype="0" fill="hold" nodeType="clickEffect">
+                                  <p:stCondLst>
+                                    <p:cond delay="0"/>
+                                  </p:stCondLst>
+                                  <p:childTnLst>
+                                    <p:set>
+                                      <p:cBhvr>
+                                        <p:cTn id="58" dur="1" fill="hold">
+                                          <p:stCondLst>
+                                            <p:cond delay="0"/>
+                                          </p:stCondLst>
+                                        </p:cTn>
+                                        <p:tgtEl>
+                                          <p:spTgt spid="48"/>
+                                        </p:tgtEl>
+                                        <p:attrNameLst>
+                                          <p:attrName>style.visibility</p:attrName>
+                                        </p:attrNameLst>
+                                      </p:cBhvr>
+                                      <p:to>
+                                        <p:strVal val="hidden"/>
+                                      </p:to>
+                                    </p:set>
+                                  </p:childTnLst>
+                                </p:cTn>
+                              </p:par>
+                              <p:par>
+                                <p:cTn id="59" presetID="1" presetClass="exit" presetSubtype="0" fill="hold" nodeType="withEffect">
+                                  <p:stCondLst>
+                                    <p:cond delay="0"/>
+                                  </p:stCondLst>
+                                  <p:childTnLst>
+                                    <p:set>
+                                      <p:cBhvr>
+                                        <p:cTn id="60" dur="1" fill="hold">
+                                          <p:stCondLst>
+                                            <p:cond delay="0"/>
+                                          </p:stCondLst>
+                                        </p:cTn>
+                                        <p:tgtEl>
+                                          <p:spTgt spid="53"/>
+                                        </p:tgtEl>
+                                        <p:attrNameLst>
+                                          <p:attrName>style.visibility</p:attrName>
+                                        </p:attrNameLst>
+                                      </p:cBhvr>
+                                      <p:to>
+                                        <p:strVal val="hidden"/>
+                                      </p:to>
+                                    </p:set>
+                                  </p:childTnLst>
+                                </p:cTn>
+                              </p:par>
+                            </p:childTnLst>
+                          </p:cTn>
+                        </p:par>
+                      </p:childTnLst>
+                    </p:cTn>
+                  </p:par>
+                </p:childTnLst>
+              </p:cTn>
+              <p:prevCondLst>
+                <p:cond evt="onPrev" delay="0">
+                  <p:tgtEl>
+                    <p:sldTgt/>
+                  </p:tgtEl>
+                </p:cond>
+              </p:prevCondLst>
+              <p:nextCondLst>
+                <p:cond evt="onNext" delay="0">
+                  <p:tgtEl>
+                    <p:sldTgt/>
+                  </p:tgtEl>
+                </p:cond>
+              </p:nextCondLst>
+            </p:seq>
+          </p:childTnLst>
+        </p:cTn>
+      </p:par>
+    </p:tnLst>
+    <p:bldLst>
+      <p:bldP spid="12" grpId="0" animBg="1"/>
+      <p:bldP spid="63" grpId="0" animBg="1"/>
+      <p:bldP spid="76" grpId="0" animBg="1"/>
+    </p:bldLst>
+  </p:timing>
 </p:sld>
 </file>
 
